--- a/talk/slides.pptx
+++ b/talk/slides.pptx
@@ -135,32 +135,12 @@
 </p:presentation>
 </file>
 
+<file path=ppt/revisionInfo.xml><?xml version="1.0" encoding="utf-8"?>
+<p1510:revInfo xmlns:a="http://schemas.openxmlformats.org/drawingml/2006/main" xmlns:r="http://schemas.openxmlformats.org/officeDocument/2006/relationships" xmlns:p1510="http://schemas.microsoft.com/office/powerpoint/2015/10/main"/>
+</file>
+
 <file path=ppt/changesInfos/changesInfo1.xml><?xml version="1.0" encoding="utf-8"?>
 <pc:chgInfo xmlns:a="http://schemas.openxmlformats.org/drawingml/2006/main" xmlns:r="http://schemas.openxmlformats.org/officeDocument/2006/relationships" xmlns:ac="http://schemas.microsoft.com/office/drawing/2013/main/command" xmlns:pc="http://schemas.microsoft.com/office/powerpoint/2013/main/command">
-  <pc:docChgLst>
-    <pc:chgData name="Mark Shelton" userId="4ffce2ed1cf6c3ec" providerId="LiveId" clId="{6DD0A6CE-ED5A-4EEF-A442-1FE2F41D9C35}"/>
-    <pc:docChg chg="undo custSel modSld">
-      <pc:chgData name="Mark Shelton" userId="4ffce2ed1cf6c3ec" providerId="LiveId" clId="{6DD0A6CE-ED5A-4EEF-A442-1FE2F41D9C35}" dt="2017-11-09T11:23:38.763" v="89" actId="20577"/>
-      <pc:docMkLst>
-        <pc:docMk/>
-      </pc:docMkLst>
-      <pc:sldChg chg="modSp">
-        <pc:chgData name="Mark Shelton" userId="4ffce2ed1cf6c3ec" providerId="LiveId" clId="{6DD0A6CE-ED5A-4EEF-A442-1FE2F41D9C35}" dt="2017-11-09T11:23:38.763" v="89" actId="20577"/>
-        <pc:sldMkLst>
-          <pc:docMk/>
-          <pc:sldMk cId="3759650728" sldId="257"/>
-        </pc:sldMkLst>
-        <pc:spChg chg="mod">
-          <ac:chgData name="Mark Shelton" userId="4ffce2ed1cf6c3ec" providerId="LiveId" clId="{6DD0A6CE-ED5A-4EEF-A442-1FE2F41D9C35}" dt="2017-11-09T11:23:38.763" v="89" actId="20577"/>
-          <ac:spMkLst>
-            <pc:docMk/>
-            <pc:sldMk cId="3759650728" sldId="257"/>
-            <ac:spMk id="3" creationId="{6F4A8B36-DC71-4821-ABE9-B38AFCCC9337}"/>
-          </ac:spMkLst>
-        </pc:spChg>
-      </pc:sldChg>
-    </pc:docChg>
-  </pc:docChgLst>
   <pc:docChgLst>
     <pc:chgData name="Mark Shelton" userId="4ffce2ed1cf6c3ec" providerId="LiveId" clId="{7CD7FB52-E18B-4137-B3A7-C40B476FFC69}"/>
     <pc:docChg chg="undo custSel addSld delSld modSld sldOrd">
@@ -444,6 +424,30 @@
       </pc:sldChg>
     </pc:docChg>
   </pc:docChgLst>
+  <pc:docChgLst>
+    <pc:chgData name="Mark Shelton" userId="4ffce2ed1cf6c3ec" providerId="LiveId" clId="{6DD0A6CE-ED5A-4EEF-A442-1FE2F41D9C35}"/>
+    <pc:docChg chg="undo custSel modSld">
+      <pc:chgData name="Mark Shelton" userId="4ffce2ed1cf6c3ec" providerId="LiveId" clId="{6DD0A6CE-ED5A-4EEF-A442-1FE2F41D9C35}" dt="2017-11-09T11:23:38.763" v="89" actId="20577"/>
+      <pc:docMkLst>
+        <pc:docMk/>
+      </pc:docMkLst>
+      <pc:sldChg chg="modSp">
+        <pc:chgData name="Mark Shelton" userId="4ffce2ed1cf6c3ec" providerId="LiveId" clId="{6DD0A6CE-ED5A-4EEF-A442-1FE2F41D9C35}" dt="2017-11-09T11:23:38.763" v="89" actId="20577"/>
+        <pc:sldMkLst>
+          <pc:docMk/>
+          <pc:sldMk cId="3759650728" sldId="257"/>
+        </pc:sldMkLst>
+        <pc:spChg chg="mod">
+          <ac:chgData name="Mark Shelton" userId="4ffce2ed1cf6c3ec" providerId="LiveId" clId="{6DD0A6CE-ED5A-4EEF-A442-1FE2F41D9C35}" dt="2017-11-09T11:23:38.763" v="89" actId="20577"/>
+          <ac:spMkLst>
+            <pc:docMk/>
+            <pc:sldMk cId="3759650728" sldId="257"/>
+            <ac:spMk id="3" creationId="{6F4A8B36-DC71-4821-ABE9-B38AFCCC9337}"/>
+          </ac:spMkLst>
+        </pc:spChg>
+      </pc:sldChg>
+    </pc:docChg>
+  </pc:docChgLst>
 </pc:chgInfo>
 </file>
 
@@ -615,7 +619,7 @@
           <a:p>
             <a:fld id="{77923778-D427-4F38-A95D-1E8FBB0BA0F0}" type="datetimeFigureOut">
               <a:rPr lang="en-AU" smtClean="0"/>
-              <a:t>9/11/2017</a:t>
+              <a:t>10/11/2017</a:t>
             </a:fld>
             <a:endParaRPr lang="en-AU"/>
           </a:p>
@@ -843,7 +847,7 @@
           <a:p>
             <a:fld id="{77923778-D427-4F38-A95D-1E8FBB0BA0F0}" type="datetimeFigureOut">
               <a:rPr lang="en-AU" smtClean="0"/>
-              <a:t>9/11/2017</a:t>
+              <a:t>10/11/2017</a:t>
             </a:fld>
             <a:endParaRPr lang="en-AU"/>
           </a:p>
@@ -1023,7 +1027,7 @@
           <a:p>
             <a:fld id="{77923778-D427-4F38-A95D-1E8FBB0BA0F0}" type="datetimeFigureOut">
               <a:rPr lang="en-AU" smtClean="0"/>
-              <a:t>9/11/2017</a:t>
+              <a:t>10/11/2017</a:t>
             </a:fld>
             <a:endParaRPr lang="en-AU"/>
           </a:p>
@@ -1193,7 +1197,7 @@
           <a:p>
             <a:fld id="{77923778-D427-4F38-A95D-1E8FBB0BA0F0}" type="datetimeFigureOut">
               <a:rPr lang="en-AU" smtClean="0"/>
-              <a:t>9/11/2017</a:t>
+              <a:t>10/11/2017</a:t>
             </a:fld>
             <a:endParaRPr lang="en-AU"/>
           </a:p>
@@ -1447,7 +1451,7 @@
           <a:p>
             <a:fld id="{77923778-D427-4F38-A95D-1E8FBB0BA0F0}" type="datetimeFigureOut">
               <a:rPr lang="en-AU" smtClean="0"/>
-              <a:t>9/11/2017</a:t>
+              <a:t>10/11/2017</a:t>
             </a:fld>
             <a:endParaRPr lang="en-AU"/>
           </a:p>
@@ -1773,7 +1777,7 @@
           <a:p>
             <a:fld id="{77923778-D427-4F38-A95D-1E8FBB0BA0F0}" type="datetimeFigureOut">
               <a:rPr lang="en-AU" smtClean="0"/>
-              <a:t>9/11/2017</a:t>
+              <a:t>10/11/2017</a:t>
             </a:fld>
             <a:endParaRPr lang="en-AU"/>
           </a:p>
@@ -2224,7 +2228,7 @@
           <a:p>
             <a:fld id="{77923778-D427-4F38-A95D-1E8FBB0BA0F0}" type="datetimeFigureOut">
               <a:rPr lang="en-AU" smtClean="0"/>
-              <a:t>9/11/2017</a:t>
+              <a:t>10/11/2017</a:t>
             </a:fld>
             <a:endParaRPr lang="en-AU"/>
           </a:p>
@@ -2342,7 +2346,7 @@
           <a:p>
             <a:fld id="{77923778-D427-4F38-A95D-1E8FBB0BA0F0}" type="datetimeFigureOut">
               <a:rPr lang="en-AU" smtClean="0"/>
-              <a:t>9/11/2017</a:t>
+              <a:t>10/11/2017</a:t>
             </a:fld>
             <a:endParaRPr lang="en-AU"/>
           </a:p>
@@ -2437,7 +2441,7 @@
           <a:p>
             <a:fld id="{77923778-D427-4F38-A95D-1E8FBB0BA0F0}" type="datetimeFigureOut">
               <a:rPr lang="en-AU" smtClean="0"/>
-              <a:t>9/11/2017</a:t>
+              <a:t>10/11/2017</a:t>
             </a:fld>
             <a:endParaRPr lang="en-AU"/>
           </a:p>
@@ -2724,7 +2728,7 @@
           <a:p>
             <a:fld id="{77923778-D427-4F38-A95D-1E8FBB0BA0F0}" type="datetimeFigureOut">
               <a:rPr lang="en-AU" smtClean="0"/>
-              <a:t>9/11/2017</a:t>
+              <a:t>10/11/2017</a:t>
             </a:fld>
             <a:endParaRPr lang="en-AU"/>
           </a:p>
@@ -3046,7 +3050,7 @@
           <a:p>
             <a:fld id="{77923778-D427-4F38-A95D-1E8FBB0BA0F0}" type="datetimeFigureOut">
               <a:rPr lang="en-AU" smtClean="0"/>
-              <a:t>9/11/2017</a:t>
+              <a:t>10/11/2017</a:t>
             </a:fld>
             <a:endParaRPr lang="en-AU"/>
           </a:p>
@@ -3300,7 +3304,7 @@
           <a:p>
             <a:fld id="{77923778-D427-4F38-A95D-1E8FBB0BA0F0}" type="datetimeFigureOut">
               <a:rPr lang="en-AU" smtClean="0"/>
-              <a:t>9/11/2017</a:t>
+              <a:t>10/11/2017</a:t>
             </a:fld>
             <a:endParaRPr lang="en-AU"/>
           </a:p>
@@ -7104,21 +7108,10 @@
               <a:buNone/>
             </a:pPr>
             <a:r>
-              <a:rPr lang="en-AU" sz="3200" b="1" dirty="0">
-                <a:latin typeface="Consolas" panose="020B0609020204030204" pitchFamily="49" charset="0"/>
-              </a:rPr>
-              <a:t>Dedicated Libraries: </a:t>
-            </a:r>
-          </a:p>
-          <a:p>
-            <a:pPr marL="0" indent="0">
-              <a:buNone/>
-            </a:pPr>
-            <a:r>
-              <a:rPr lang="en-AU" sz="3200" dirty="0">
-                <a:latin typeface="Consolas" panose="020B0609020204030204" pitchFamily="49" charset="0"/>
-              </a:rPr>
-              <a:t>	- </a:t>
+              <a:rPr lang="en-AU" sz="3200" b="1">
+                <a:latin typeface="Consolas" panose="020B0609020204030204" pitchFamily="49" charset="0"/>
+              </a:rPr>
+              <a:t>Functions: </a:t>
             </a:r>
             <a:r>
               <a:rPr lang="en-AU" sz="3200" dirty="0" err="1">
@@ -7147,10 +7140,16 @@
               <a:buNone/>
             </a:pPr>
             <a:r>
+              <a:rPr lang="en-AU" sz="3200" b="1" dirty="0">
+                <a:latin typeface="Consolas" panose="020B0609020204030204" pitchFamily="49" charset="0"/>
+              </a:rPr>
+              <a:t>Typing: </a:t>
+            </a:r>
+            <a:r>
               <a:rPr lang="en-AU" sz="3200" dirty="0">
                 <a:latin typeface="Consolas" panose="020B0609020204030204" pitchFamily="49" charset="0"/>
               </a:rPr>
-              <a:t>	- Largely superseded by ES6+</a:t>
+              <a:t>TypeScript, Flow, Reason</a:t>
             </a:r>
           </a:p>
           <a:p>
@@ -7161,29 +7160,30 @@
               <a:rPr lang="en-AU" sz="3200" b="1" dirty="0">
                 <a:latin typeface="Consolas" panose="020B0609020204030204" pitchFamily="49" charset="0"/>
               </a:rPr>
-              <a:t>Web Development:</a:t>
-            </a:r>
-          </a:p>
-          <a:p>
-            <a:pPr marL="0" indent="0">
-              <a:buNone/>
-            </a:pPr>
+              <a:t>Views:</a:t>
+            </a:r>
             <a:r>
               <a:rPr lang="en-AU" sz="3200" dirty="0">
                 <a:latin typeface="Consolas" panose="020B0609020204030204" pitchFamily="49" charset="0"/>
               </a:rPr>
-              <a:t>	- Views: React HOC (Composable)</a:t>
-            </a:r>
-          </a:p>
-          <a:p>
-            <a:pPr marL="0" indent="0">
-              <a:buNone/>
-            </a:pPr>
+              <a:t> React Higher Order Components (HOC)</a:t>
+            </a:r>
+          </a:p>
+          <a:p>
+            <a:pPr marL="0" indent="0">
+              <a:buNone/>
+            </a:pPr>
+            <a:r>
+              <a:rPr lang="en-AU" sz="3200" b="1" dirty="0">
+                <a:latin typeface="Consolas" panose="020B0609020204030204" pitchFamily="49" charset="0"/>
+              </a:rPr>
+              <a:t>Store: </a:t>
+            </a:r>
             <a:r>
               <a:rPr lang="en-AU" sz="3200" dirty="0">
                 <a:latin typeface="Consolas" panose="020B0609020204030204" pitchFamily="49" charset="0"/>
               </a:rPr>
-              <a:t>	- Store: Redux, </a:t>
+              <a:t>Redux, </a:t>
             </a:r>
             <a:r>
               <a:rPr lang="en-AU" sz="3200" dirty="0" err="1">
@@ -7200,10 +7200,16 @@
               <a:buNone/>
             </a:pPr>
             <a:r>
+              <a:rPr lang="en-AU" sz="3200" b="1" dirty="0">
+                <a:latin typeface="Consolas" panose="020B0609020204030204" pitchFamily="49" charset="0"/>
+              </a:rPr>
+              <a:t>Actions:</a:t>
+            </a:r>
+            <a:r>
               <a:rPr lang="en-AU" sz="3200" dirty="0">
                 <a:latin typeface="Consolas" panose="020B0609020204030204" pitchFamily="49" charset="0"/>
               </a:rPr>
-              <a:t>	- Actions: Redux Observable, Sagas</a:t>
+              <a:t> Redux Observable, Redux Saga</a:t>
             </a:r>
           </a:p>
         </p:txBody>
